--- a/Semester 2/Dave 3D Modelling/3D Modelling Tunnel Sewer Mood Board.pptx
+++ b/Semester 2/Dave 3D Modelling/3D Modelling Tunnel Sewer Mood Board.pptx
@@ -288,7 +288,8 @@
           <a:p>
             <a:fld id="{D44A154F-226A-4443-A2DC-82C66DDBE4FB}" type="datetimeFigureOut">
               <a:rPr lang="en-GB" smtClean="0"/>
-              <a:t>30/03/2017</a:t>
+              <a:pPr/>
+              <a:t>10/04/2017</a:t>
             </a:fld>
             <a:endParaRPr lang="en-GB"/>
           </a:p>
@@ -330,6 +331,7 @@
           <a:p>
             <a:fld id="{F46D6ACE-CEC3-420C-8F41-A9863542B7DF}" type="slidenum">
               <a:rPr lang="en-GB" smtClean="0"/>
+              <a:pPr/>
               <a:t>‹#›</a:t>
             </a:fld>
             <a:endParaRPr lang="en-GB"/>
@@ -453,7 +455,8 @@
           <a:p>
             <a:fld id="{D44A154F-226A-4443-A2DC-82C66DDBE4FB}" type="datetimeFigureOut">
               <a:rPr lang="en-GB" smtClean="0"/>
-              <a:t>30/03/2017</a:t>
+              <a:pPr/>
+              <a:t>10/04/2017</a:t>
             </a:fld>
             <a:endParaRPr lang="en-GB"/>
           </a:p>
@@ -495,6 +498,7 @@
           <a:p>
             <a:fld id="{F46D6ACE-CEC3-420C-8F41-A9863542B7DF}" type="slidenum">
               <a:rPr lang="en-GB" smtClean="0"/>
+              <a:pPr/>
               <a:t>‹#›</a:t>
             </a:fld>
             <a:endParaRPr lang="en-GB"/>
@@ -628,7 +632,8 @@
           <a:p>
             <a:fld id="{D44A154F-226A-4443-A2DC-82C66DDBE4FB}" type="datetimeFigureOut">
               <a:rPr lang="en-GB" smtClean="0"/>
-              <a:t>30/03/2017</a:t>
+              <a:pPr/>
+              <a:t>10/04/2017</a:t>
             </a:fld>
             <a:endParaRPr lang="en-GB"/>
           </a:p>
@@ -670,6 +675,7 @@
           <a:p>
             <a:fld id="{F46D6ACE-CEC3-420C-8F41-A9863542B7DF}" type="slidenum">
               <a:rPr lang="en-GB" smtClean="0"/>
+              <a:pPr/>
               <a:t>‹#›</a:t>
             </a:fld>
             <a:endParaRPr lang="en-GB"/>
@@ -793,7 +799,8 @@
           <a:p>
             <a:fld id="{D44A154F-226A-4443-A2DC-82C66DDBE4FB}" type="datetimeFigureOut">
               <a:rPr lang="en-GB" smtClean="0"/>
-              <a:t>30/03/2017</a:t>
+              <a:pPr/>
+              <a:t>10/04/2017</a:t>
             </a:fld>
             <a:endParaRPr lang="en-GB"/>
           </a:p>
@@ -835,6 +842,7 @@
           <a:p>
             <a:fld id="{F46D6ACE-CEC3-420C-8F41-A9863542B7DF}" type="slidenum">
               <a:rPr lang="en-GB" smtClean="0"/>
+              <a:pPr/>
               <a:t>‹#›</a:t>
             </a:fld>
             <a:endParaRPr lang="en-GB"/>
@@ -1034,7 +1042,8 @@
           <a:p>
             <a:fld id="{D44A154F-226A-4443-A2DC-82C66DDBE4FB}" type="datetimeFigureOut">
               <a:rPr lang="en-GB" smtClean="0"/>
-              <a:t>30/03/2017</a:t>
+              <a:pPr/>
+              <a:t>10/04/2017</a:t>
             </a:fld>
             <a:endParaRPr lang="en-GB"/>
           </a:p>
@@ -1076,6 +1085,7 @@
           <a:p>
             <a:fld id="{F46D6ACE-CEC3-420C-8F41-A9863542B7DF}" type="slidenum">
               <a:rPr lang="en-GB" smtClean="0"/>
+              <a:pPr/>
               <a:t>‹#›</a:t>
             </a:fld>
             <a:endParaRPr lang="en-GB"/>
@@ -1317,7 +1327,8 @@
           <a:p>
             <a:fld id="{D44A154F-226A-4443-A2DC-82C66DDBE4FB}" type="datetimeFigureOut">
               <a:rPr lang="en-GB" smtClean="0"/>
-              <a:t>30/03/2017</a:t>
+              <a:pPr/>
+              <a:t>10/04/2017</a:t>
             </a:fld>
             <a:endParaRPr lang="en-GB"/>
           </a:p>
@@ -1359,6 +1370,7 @@
           <a:p>
             <a:fld id="{F46D6ACE-CEC3-420C-8F41-A9863542B7DF}" type="slidenum">
               <a:rPr lang="en-GB" smtClean="0"/>
+              <a:pPr/>
               <a:t>‹#›</a:t>
             </a:fld>
             <a:endParaRPr lang="en-GB"/>
@@ -1734,7 +1746,8 @@
           <a:p>
             <a:fld id="{D44A154F-226A-4443-A2DC-82C66DDBE4FB}" type="datetimeFigureOut">
               <a:rPr lang="en-GB" smtClean="0"/>
-              <a:t>30/03/2017</a:t>
+              <a:pPr/>
+              <a:t>10/04/2017</a:t>
             </a:fld>
             <a:endParaRPr lang="en-GB"/>
           </a:p>
@@ -1776,6 +1789,7 @@
           <a:p>
             <a:fld id="{F46D6ACE-CEC3-420C-8F41-A9863542B7DF}" type="slidenum">
               <a:rPr lang="en-GB" smtClean="0"/>
+              <a:pPr/>
               <a:t>‹#›</a:t>
             </a:fld>
             <a:endParaRPr lang="en-GB"/>
@@ -1847,7 +1861,8 @@
           <a:p>
             <a:fld id="{D44A154F-226A-4443-A2DC-82C66DDBE4FB}" type="datetimeFigureOut">
               <a:rPr lang="en-GB" smtClean="0"/>
-              <a:t>30/03/2017</a:t>
+              <a:pPr/>
+              <a:t>10/04/2017</a:t>
             </a:fld>
             <a:endParaRPr lang="en-GB"/>
           </a:p>
@@ -1889,6 +1904,7 @@
           <a:p>
             <a:fld id="{F46D6ACE-CEC3-420C-8F41-A9863542B7DF}" type="slidenum">
               <a:rPr lang="en-GB" smtClean="0"/>
+              <a:pPr/>
               <a:t>‹#›</a:t>
             </a:fld>
             <a:endParaRPr lang="en-GB"/>
@@ -1937,7 +1953,8 @@
           <a:p>
             <a:fld id="{D44A154F-226A-4443-A2DC-82C66DDBE4FB}" type="datetimeFigureOut">
               <a:rPr lang="en-GB" smtClean="0"/>
-              <a:t>30/03/2017</a:t>
+              <a:pPr/>
+              <a:t>10/04/2017</a:t>
             </a:fld>
             <a:endParaRPr lang="en-GB"/>
           </a:p>
@@ -1979,6 +1996,7 @@
           <a:p>
             <a:fld id="{F46D6ACE-CEC3-420C-8F41-A9863542B7DF}" type="slidenum">
               <a:rPr lang="en-GB" smtClean="0"/>
+              <a:pPr/>
               <a:t>‹#›</a:t>
             </a:fld>
             <a:endParaRPr lang="en-GB"/>
@@ -2209,7 +2227,8 @@
           <a:p>
             <a:fld id="{D44A154F-226A-4443-A2DC-82C66DDBE4FB}" type="datetimeFigureOut">
               <a:rPr lang="en-GB" smtClean="0"/>
-              <a:t>30/03/2017</a:t>
+              <a:pPr/>
+              <a:t>10/04/2017</a:t>
             </a:fld>
             <a:endParaRPr lang="en-GB"/>
           </a:p>
@@ -2251,6 +2270,7 @@
           <a:p>
             <a:fld id="{F46D6ACE-CEC3-420C-8F41-A9863542B7DF}" type="slidenum">
               <a:rPr lang="en-GB" smtClean="0"/>
+              <a:pPr/>
               <a:t>‹#›</a:t>
             </a:fld>
             <a:endParaRPr lang="en-GB"/>
@@ -2457,7 +2477,8 @@
           <a:p>
             <a:fld id="{D44A154F-226A-4443-A2DC-82C66DDBE4FB}" type="datetimeFigureOut">
               <a:rPr lang="en-GB" smtClean="0"/>
-              <a:t>30/03/2017</a:t>
+              <a:pPr/>
+              <a:t>10/04/2017</a:t>
             </a:fld>
             <a:endParaRPr lang="en-GB"/>
           </a:p>
@@ -2499,6 +2520,7 @@
           <a:p>
             <a:fld id="{F46D6ACE-CEC3-420C-8F41-A9863542B7DF}" type="slidenum">
               <a:rPr lang="en-GB" smtClean="0"/>
+              <a:pPr/>
               <a:t>‹#›</a:t>
             </a:fld>
             <a:endParaRPr lang="en-GB"/>
@@ -2665,7 +2687,8 @@
           <a:p>
             <a:fld id="{D44A154F-226A-4443-A2DC-82C66DDBE4FB}" type="datetimeFigureOut">
               <a:rPr lang="en-GB" smtClean="0"/>
-              <a:t>30/03/2017</a:t>
+              <a:pPr/>
+              <a:t>10/04/2017</a:t>
             </a:fld>
             <a:endParaRPr lang="en-GB"/>
           </a:p>
@@ -2743,6 +2766,7 @@
           <a:p>
             <a:fld id="{F46D6ACE-CEC3-420C-8F41-A9863542B7DF}" type="slidenum">
               <a:rPr lang="en-GB" smtClean="0"/>
+              <a:pPr/>
               <a:t>‹#›</a:t>
             </a:fld>
             <a:endParaRPr lang="en-GB"/>
@@ -3063,7 +3087,7 @@
       </p:pic>
       <p:pic>
         <p:nvPicPr>
-          <p:cNvPr id="10246" name="Picture 6" descr="Image result for tunnel with stairs"/>
+          <p:cNvPr id="10244" name="Picture 4" descr="Image result for underground tunnel with stairs"/>
           <p:cNvPicPr>
             <a:picLocks noChangeAspect="1" noChangeArrowheads="1"/>
           </p:cNvPicPr>
@@ -3071,32 +3095,6 @@
         </p:nvPicPr>
         <p:blipFill>
           <a:blip r:embed="rId3" cstate="print"/>
-          <a:srcRect/>
-          <a:stretch>
-            <a:fillRect/>
-          </a:stretch>
-        </p:blipFill>
-        <p:spPr bwMode="auto">
-          <a:xfrm>
-            <a:off x="4788024" y="260648"/>
-            <a:ext cx="2520280" cy="1661318"/>
-          </a:xfrm>
-          <a:prstGeom prst="rect">
-            <a:avLst/>
-          </a:prstGeom>
-          <a:noFill/>
-        </p:spPr>
-      </p:pic>
-      <p:pic>
-        <p:nvPicPr>
-          <p:cNvPr id="10244" name="Picture 4" descr="Image result for underground tunnel with stairs"/>
-          <p:cNvPicPr>
-            <a:picLocks noChangeAspect="1" noChangeArrowheads="1"/>
-          </p:cNvPicPr>
-          <p:nvPr/>
-        </p:nvPicPr>
-        <p:blipFill>
-          <a:blip r:embed="rId4" cstate="print"/>
           <a:srcRect r="10079" b="10002"/>
           <a:stretch>
             <a:fillRect/>
@@ -3122,7 +3120,7 @@
           <p:nvPr/>
         </p:nvPicPr>
         <p:blipFill>
-          <a:blip r:embed="rId5" cstate="print"/>
+          <a:blip r:embed="rId4" cstate="print"/>
           <a:srcRect/>
           <a:stretch>
             <a:fillRect/>
@@ -3173,7 +3171,7 @@
           <p:nvPr/>
         </p:nvPicPr>
         <p:blipFill>
-          <a:blip r:embed="rId6" cstate="print"/>
+          <a:blip r:embed="rId5" cstate="print"/>
           <a:srcRect/>
           <a:stretch>
             <a:fillRect/>
@@ -3199,7 +3197,7 @@
           <p:nvPr/>
         </p:nvPicPr>
         <p:blipFill>
-          <a:blip r:embed="rId7" cstate="print"/>
+          <a:blip r:embed="rId6" cstate="print"/>
           <a:srcRect/>
           <a:stretch>
             <a:fillRect/>
@@ -3225,7 +3223,7 @@
           <p:nvPr/>
         </p:nvPicPr>
         <p:blipFill>
-          <a:blip r:embed="rId8" cstate="print"/>
+          <a:blip r:embed="rId7" cstate="print"/>
           <a:srcRect/>
           <a:stretch>
             <a:fillRect/>
@@ -3251,7 +3249,7 @@
           <p:nvPr/>
         </p:nvPicPr>
         <p:blipFill>
-          <a:blip r:embed="rId9" cstate="print"/>
+          <a:blip r:embed="rId8" cstate="print"/>
           <a:srcRect/>
           <a:stretch>
             <a:fillRect/>
@@ -3277,7 +3275,7 @@
           <p:nvPr/>
         </p:nvPicPr>
         <p:blipFill>
-          <a:blip r:embed="rId10" cstate="print"/>
+          <a:blip r:embed="rId9" cstate="print"/>
           <a:srcRect/>
           <a:stretch>
             <a:fillRect/>
@@ -3303,7 +3301,7 @@
           <p:nvPr/>
         </p:nvPicPr>
         <p:blipFill>
-          <a:blip r:embed="rId11" cstate="print"/>
+          <a:blip r:embed="rId10" cstate="print"/>
           <a:srcRect/>
           <a:stretch>
             <a:fillRect/>
@@ -3313,6 +3311,32 @@
           <a:xfrm>
             <a:off x="6156176" y="4797152"/>
             <a:ext cx="2864775" cy="1872208"/>
+          </a:xfrm>
+          <a:prstGeom prst="rect">
+            <a:avLst/>
+          </a:prstGeom>
+          <a:noFill/>
+        </p:spPr>
+      </p:pic>
+      <p:pic>
+        <p:nvPicPr>
+          <p:cNvPr id="10246" name="Picture 6" descr="Image result for tunnel with stairs"/>
+          <p:cNvPicPr>
+            <a:picLocks noChangeAspect="1" noChangeArrowheads="1"/>
+          </p:cNvPicPr>
+          <p:nvPr/>
+        </p:nvPicPr>
+        <p:blipFill>
+          <a:blip r:embed="rId11" cstate="print"/>
+          <a:srcRect/>
+          <a:stretch>
+            <a:fillRect/>
+          </a:stretch>
+        </p:blipFill>
+        <p:spPr bwMode="auto">
+          <a:xfrm>
+            <a:off x="6762109" y="260648"/>
+            <a:ext cx="2075537" cy="1368152"/>
           </a:xfrm>
           <a:prstGeom prst="rect">
             <a:avLst/>

--- a/Semester 2/Dave 3D Modelling/3D Modelling Tunnel Sewer Mood Board.pptx
+++ b/Semester 2/Dave 3D Modelling/3D Modelling Tunnel Sewer Mood Board.pptx
@@ -104,6 +104,22 @@
       </a:defRPr>
     </a:lvl9pPr>
   </p:defaultTextStyle>
+  <p:extLst>
+    <p:ext uri="{EFAFB233-063F-42B5-8137-9DF3F51BA10A}">
+      <p15:sldGuideLst xmlns:p15="http://schemas.microsoft.com/office/powerpoint/2012/main">
+        <p15:guide id="1" orient="horz" pos="2160">
+          <p15:clr>
+            <a:srgbClr val="A4A3A4"/>
+          </p15:clr>
+        </p15:guide>
+        <p15:guide id="2" pos="2880">
+          <p15:clr>
+            <a:srgbClr val="A4A3A4"/>
+          </p15:clr>
+        </p15:guide>
+      </p15:sldGuideLst>
+    </p:ext>
+  </p:extLst>
 </p:presentation>
 </file>
 
@@ -289,7 +305,7 @@
             <a:fld id="{D44A154F-226A-4443-A2DC-82C66DDBE4FB}" type="datetimeFigureOut">
               <a:rPr lang="en-GB" smtClean="0"/>
               <a:pPr/>
-              <a:t>10/04/2017</a:t>
+              <a:t>11/04/2017</a:t>
             </a:fld>
             <a:endParaRPr lang="en-GB"/>
           </a:p>
@@ -456,7 +472,7 @@
             <a:fld id="{D44A154F-226A-4443-A2DC-82C66DDBE4FB}" type="datetimeFigureOut">
               <a:rPr lang="en-GB" smtClean="0"/>
               <a:pPr/>
-              <a:t>10/04/2017</a:t>
+              <a:t>11/04/2017</a:t>
             </a:fld>
             <a:endParaRPr lang="en-GB"/>
           </a:p>
@@ -633,7 +649,7 @@
             <a:fld id="{D44A154F-226A-4443-A2DC-82C66DDBE4FB}" type="datetimeFigureOut">
               <a:rPr lang="en-GB" smtClean="0"/>
               <a:pPr/>
-              <a:t>10/04/2017</a:t>
+              <a:t>11/04/2017</a:t>
             </a:fld>
             <a:endParaRPr lang="en-GB"/>
           </a:p>
@@ -800,7 +816,7 @@
             <a:fld id="{D44A154F-226A-4443-A2DC-82C66DDBE4FB}" type="datetimeFigureOut">
               <a:rPr lang="en-GB" smtClean="0"/>
               <a:pPr/>
-              <a:t>10/04/2017</a:t>
+              <a:t>11/04/2017</a:t>
             </a:fld>
             <a:endParaRPr lang="en-GB"/>
           </a:p>
@@ -1043,7 +1059,7 @@
             <a:fld id="{D44A154F-226A-4443-A2DC-82C66DDBE4FB}" type="datetimeFigureOut">
               <a:rPr lang="en-GB" smtClean="0"/>
               <a:pPr/>
-              <a:t>10/04/2017</a:t>
+              <a:t>11/04/2017</a:t>
             </a:fld>
             <a:endParaRPr lang="en-GB"/>
           </a:p>
@@ -1328,7 +1344,7 @@
             <a:fld id="{D44A154F-226A-4443-A2DC-82C66DDBE4FB}" type="datetimeFigureOut">
               <a:rPr lang="en-GB" smtClean="0"/>
               <a:pPr/>
-              <a:t>10/04/2017</a:t>
+              <a:t>11/04/2017</a:t>
             </a:fld>
             <a:endParaRPr lang="en-GB"/>
           </a:p>
@@ -1747,7 +1763,7 @@
             <a:fld id="{D44A154F-226A-4443-A2DC-82C66DDBE4FB}" type="datetimeFigureOut">
               <a:rPr lang="en-GB" smtClean="0"/>
               <a:pPr/>
-              <a:t>10/04/2017</a:t>
+              <a:t>11/04/2017</a:t>
             </a:fld>
             <a:endParaRPr lang="en-GB"/>
           </a:p>
@@ -1862,7 +1878,7 @@
             <a:fld id="{D44A154F-226A-4443-A2DC-82C66DDBE4FB}" type="datetimeFigureOut">
               <a:rPr lang="en-GB" smtClean="0"/>
               <a:pPr/>
-              <a:t>10/04/2017</a:t>
+              <a:t>11/04/2017</a:t>
             </a:fld>
             <a:endParaRPr lang="en-GB"/>
           </a:p>
@@ -1954,7 +1970,7 @@
             <a:fld id="{D44A154F-226A-4443-A2DC-82C66DDBE4FB}" type="datetimeFigureOut">
               <a:rPr lang="en-GB" smtClean="0"/>
               <a:pPr/>
-              <a:t>10/04/2017</a:t>
+              <a:t>11/04/2017</a:t>
             </a:fld>
             <a:endParaRPr lang="en-GB"/>
           </a:p>
@@ -2228,7 +2244,7 @@
             <a:fld id="{D44A154F-226A-4443-A2DC-82C66DDBE4FB}" type="datetimeFigureOut">
               <a:rPr lang="en-GB" smtClean="0"/>
               <a:pPr/>
-              <a:t>10/04/2017</a:t>
+              <a:t>11/04/2017</a:t>
             </a:fld>
             <a:endParaRPr lang="en-GB"/>
           </a:p>
@@ -2478,7 +2494,7 @@
             <a:fld id="{D44A154F-226A-4443-A2DC-82C66DDBE4FB}" type="datetimeFigureOut">
               <a:rPr lang="en-GB" smtClean="0"/>
               <a:pPr/>
-              <a:t>10/04/2017</a:t>
+              <a:t>11/04/2017</a:t>
             </a:fld>
             <a:endParaRPr lang="en-GB"/>
           </a:p>
@@ -2688,7 +2704,7 @@
             <a:fld id="{D44A154F-226A-4443-A2DC-82C66DDBE4FB}" type="datetimeFigureOut">
               <a:rPr lang="en-GB" smtClean="0"/>
               <a:pPr/>
-              <a:t>10/04/2017</a:t>
+              <a:t>11/04/2017</a:t>
             </a:fld>
             <a:endParaRPr lang="en-GB"/>
           </a:p>
@@ -3061,6 +3077,32 @@
       </p:grpSpPr>
       <p:pic>
         <p:nvPicPr>
+          <p:cNvPr id="10246" name="Picture 6" descr="Image result for tunnel with stairs"/>
+          <p:cNvPicPr>
+            <a:picLocks noChangeAspect="1" noChangeArrowheads="1"/>
+          </p:cNvPicPr>
+          <p:nvPr/>
+        </p:nvPicPr>
+        <p:blipFill>
+          <a:blip r:embed="rId2" cstate="print"/>
+          <a:srcRect/>
+          <a:stretch>
+            <a:fillRect/>
+          </a:stretch>
+        </p:blipFill>
+        <p:spPr bwMode="auto">
+          <a:xfrm>
+            <a:off x="4938387" y="404664"/>
+            <a:ext cx="2297702" cy="1514599"/>
+          </a:xfrm>
+          <a:prstGeom prst="rect">
+            <a:avLst/>
+          </a:prstGeom>
+          <a:noFill/>
+        </p:spPr>
+      </p:pic>
+      <p:pic>
+        <p:nvPicPr>
           <p:cNvPr id="10248" name="Picture 8" descr="Image result for tunnel with stairs"/>
           <p:cNvPicPr>
             <a:picLocks noChangeAspect="1" noChangeArrowheads="1"/>
@@ -3068,7 +3110,7 @@
           <p:nvPr/>
         </p:nvPicPr>
         <p:blipFill>
-          <a:blip r:embed="rId2" cstate="print"/>
+          <a:blip r:embed="rId3" cstate="print"/>
           <a:srcRect b="7895"/>
           <a:stretch>
             <a:fillRect/>
@@ -3094,7 +3136,7 @@
           <p:nvPr/>
         </p:nvPicPr>
         <p:blipFill>
-          <a:blip r:embed="rId3" cstate="print"/>
+          <a:blip r:embed="rId4" cstate="print"/>
           <a:srcRect r="10079" b="10002"/>
           <a:stretch>
             <a:fillRect/>
@@ -3120,7 +3162,7 @@
           <p:nvPr/>
         </p:nvPicPr>
         <p:blipFill>
-          <a:blip r:embed="rId4" cstate="print"/>
+          <a:blip r:embed="rId5" cstate="print"/>
           <a:srcRect/>
           <a:stretch>
             <a:fillRect/>
@@ -3171,7 +3213,7 @@
           <p:nvPr/>
         </p:nvPicPr>
         <p:blipFill>
-          <a:blip r:embed="rId5" cstate="print"/>
+          <a:blip r:embed="rId6" cstate="print"/>
           <a:srcRect/>
           <a:stretch>
             <a:fillRect/>
@@ -3197,7 +3239,7 @@
           <p:nvPr/>
         </p:nvPicPr>
         <p:blipFill>
-          <a:blip r:embed="rId6" cstate="print"/>
+          <a:blip r:embed="rId7" cstate="print"/>
           <a:srcRect/>
           <a:stretch>
             <a:fillRect/>
@@ -3223,7 +3265,7 @@
           <p:nvPr/>
         </p:nvPicPr>
         <p:blipFill>
-          <a:blip r:embed="rId7" cstate="print"/>
+          <a:blip r:embed="rId8" cstate="print"/>
           <a:srcRect/>
           <a:stretch>
             <a:fillRect/>
@@ -3249,7 +3291,7 @@
           <p:nvPr/>
         </p:nvPicPr>
         <p:blipFill>
-          <a:blip r:embed="rId8" cstate="print"/>
+          <a:blip r:embed="rId9" cstate="print"/>
           <a:srcRect/>
           <a:stretch>
             <a:fillRect/>
@@ -3275,7 +3317,7 @@
           <p:nvPr/>
         </p:nvPicPr>
         <p:blipFill>
-          <a:blip r:embed="rId9" cstate="print"/>
+          <a:blip r:embed="rId10" cstate="print"/>
           <a:srcRect/>
           <a:stretch>
             <a:fillRect/>
@@ -3301,7 +3343,7 @@
           <p:nvPr/>
         </p:nvPicPr>
         <p:blipFill>
-          <a:blip r:embed="rId10" cstate="print"/>
+          <a:blip r:embed="rId11" cstate="print"/>
           <a:srcRect/>
           <a:stretch>
             <a:fillRect/>
@@ -3311,32 +3353,6 @@
           <a:xfrm>
             <a:off x="6156176" y="4797152"/>
             <a:ext cx="2864775" cy="1872208"/>
-          </a:xfrm>
-          <a:prstGeom prst="rect">
-            <a:avLst/>
-          </a:prstGeom>
-          <a:noFill/>
-        </p:spPr>
-      </p:pic>
-      <p:pic>
-        <p:nvPicPr>
-          <p:cNvPr id="10246" name="Picture 6" descr="Image result for tunnel with stairs"/>
-          <p:cNvPicPr>
-            <a:picLocks noChangeAspect="1" noChangeArrowheads="1"/>
-          </p:cNvPicPr>
-          <p:nvPr/>
-        </p:nvPicPr>
-        <p:blipFill>
-          <a:blip r:embed="rId11" cstate="print"/>
-          <a:srcRect/>
-          <a:stretch>
-            <a:fillRect/>
-          </a:stretch>
-        </p:blipFill>
-        <p:spPr bwMode="auto">
-          <a:xfrm>
-            <a:off x="6762109" y="260648"/>
-            <a:ext cx="2075537" cy="1368152"/>
           </a:xfrm>
           <a:prstGeom prst="rect">
             <a:avLst/>
